--- a/test/template/test-ppt-chart-2-column.pptx
+++ b/test/template/test-ppt-chart-2-column.pptx
@@ -106,26 +106,41 @@
   </p:defaultTextStyle>
   <p:extLst>
     <p:ext uri="{EFAFB233-063F-42B5-8137-9DF3F51BA10A}">
-      <p15:sldGuideLst xmlns:p15="http://schemas.microsoft.com/office/powerpoint/2012/main"/>
+      <p15:sldGuideLst xmlns:p15="http://schemas.microsoft.com/office/powerpoint/2012/main" xmlns=""/>
     </p:ext>
   </p:extLst>
 </p:presentation>
 </file>
 
-<file path=ppt/charts/chart3.xml><?xml version="1.0" encoding="utf-8"?>
+<file path=ppt/charts/chart1.xml><?xml version="1.0" encoding="utf-8"?>
 <c:chartSpace xmlns:c="http://schemas.openxmlformats.org/drawingml/2006/chart" xmlns:a="http://schemas.openxmlformats.org/drawingml/2006/main" xmlns:r="http://schemas.openxmlformats.org/officeDocument/2006/relationships">
-  <c:lang val="en-US"/>
   <c:date1904 val="1"/>
+  <c:lang val="zh-CN"/>
   <c:chart>
+    <c:title>
+      <c:tx>
+        <c:rich>
+          <a:bodyPr/>
+          <a:lstStyle/>
+          <a:p>
+            <a:pPr>
+              <a:defRPr lang="en-US"/>
+            </a:pPr>
+            <a:r>
+              <a:rPr lang="en-US" altLang="zh-CN" dirty="0" smtClean="0"/>
+              <a:t>{chart1}</a:t>
+            </a:r>
+            <a:endParaRPr lang="en-US" dirty="0"/>
+          </a:p>
+        </c:rich>
+      </c:tx>
+      <c:layout/>
+    </c:title>
     <c:plotArea>
       <c:layout/>
       <c:barChart>
         <c:barDir val="col"/>
         <c:grouping val="clustered"/>
-        <c:overlap val="50"/>
-        <c:gapWidth val="25"/>
-        <c:axId val="64451712"/>
-        <c:axId val="64453248"/>
         <c:ser>
           <c:idx val="0"/>
           <c:order val="0"/>
@@ -140,7 +155,11 @@
               </c:strCache>
             </c:strRef>
           </c:tx>
-          <c:invertIfNegative val="0"/>
+          <c:spPr>
+            <a:solidFill>
+              <a:srgbClr val="FF0000"/>
+            </a:solidFill>
+          </c:spPr>
           <c:cat>
             <c:strRef>
               <c:f>Sheet1!$A$2:$A$6</c:f>
@@ -188,11 +207,6 @@
               </c:numCache>
             </c:numRef>
           </c:val>
-          <c:spPr>
-            <a:solidFill>
-              <a:srgbClr val="ff0000"/>
-            </a:solidFill>
-          </c:spPr>
         </c:ser>
         <c:ser>
           <c:idx val="1"/>
@@ -208,7 +222,11 @@
               </c:strCache>
             </c:strRef>
           </c:tx>
-          <c:invertIfNegative val="0"/>
+          <c:spPr>
+            <a:solidFill>
+              <a:srgbClr val="00FF00"/>
+            </a:solidFill>
+          </c:spPr>
           <c:cat>
             <c:strRef>
               <c:f>Sheet1!$A$2:$A$6</c:f>
@@ -239,7 +257,7 @@
                 <c:formatCode>General</c:formatCode>
                 <c:ptCount val="5"/>
                 <c:pt idx="0">
-                  <c:v>18.1</c:v>
+                  <c:v>18.100000000000001</c:v>
                 </c:pt>
                 <c:pt idx="1">
                   <c:v>22.8</c:v>
@@ -256,35 +274,54 @@
               </c:numCache>
             </c:numRef>
           </c:val>
-          <c:spPr>
-            <a:solidFill>
-              <a:srgbClr val="00ff00"/>
-            </a:solidFill>
-          </c:spPr>
         </c:ser>
+        <c:gapWidth val="25"/>
+        <c:overlap val="50"/>
+        <c:axId val="143030528"/>
+        <c:axId val="143038720"/>
       </c:barChart>
       <c:catAx>
-        <c:axId val="64451712"/>
+        <c:axId val="143030528"/>
         <c:scaling>
           <c:orientation val="minMax"/>
         </c:scaling>
-        <c:axPos val="l"/>
+        <c:axPos val="b"/>
         <c:tickLblPos val="nextTo"/>
-        <c:crossAx val="64453248"/>
+        <c:txPr>
+          <a:bodyPr/>
+          <a:lstStyle/>
+          <a:p>
+            <a:pPr>
+              <a:defRPr lang="en-US"/>
+            </a:pPr>
+            <a:endParaRPr lang="zh-CN"/>
+          </a:p>
+        </c:txPr>
+        <c:crossAx val="143038720"/>
         <c:crosses val="autoZero"/>
         <c:auto val="1"/>
         <c:lblAlgn val="ctr"/>
         <c:lblOffset val="100"/>
       </c:catAx>
       <c:valAx>
-        <c:axId val="64453248"/>
+        <c:axId val="143038720"/>
         <c:scaling>
           <c:orientation val="minMax"/>
         </c:scaling>
-        <c:axPos val="b"/>
-        <c:numFmt formatCode="$0" sourceLinked="0"/>
+        <c:axPos val="l"/>
+        <c:numFmt formatCode="\$0" sourceLinked="0"/>
         <c:tickLblPos val="nextTo"/>
-        <c:crossAx val="64451712"/>
+        <c:txPr>
+          <a:bodyPr/>
+          <a:lstStyle/>
+          <a:p>
+            <a:pPr>
+              <a:defRPr lang="en-US"/>
+            </a:pPr>
+            <a:endParaRPr lang="zh-CN"/>
+          </a:p>
+        </c:txPr>
+        <c:crossAx val="143030528"/>
         <c:crosses val="autoZero"/>
         <c:crossBetween val="between"/>
       </c:valAx>
@@ -292,28 +329,18 @@
     <c:legend>
       <c:legendPos val="r"/>
       <c:layout/>
+      <c:txPr>
+        <a:bodyPr/>
+        <a:lstStyle/>
+        <a:p>
+          <a:pPr>
+            <a:defRPr lang="en-US"/>
+          </a:pPr>
+          <a:endParaRPr lang="zh-CN"/>
+        </a:p>
+      </c:txPr>
     </c:legend>
     <c:plotVisOnly val="1"/>
-    <c:title>
-      <c:tx>
-        <c:rich>
-          <a:bodyPr/>
-          <a:lstStyle/>
-          <a:p>
-            <a:pPr>
-              <a:defRPr/>
-            </a:pPr>
-            <a:r>
-              <a:rPr lang="en-US" dirty="0" smtClean="0"/>
-              <a:t>eSurvey chart</a:t>
-            </a:r>
-            <a:endParaRPr lang="en-US" dirty="0"/>
-          </a:p>
-        </c:rich>
-      </c:tx>
-      <c:layout/>
-      <c:overlay val="0"/>
-    </c:title>
   </c:chart>
   <c:txPr>
     <a:bodyPr/>
@@ -322,7 +349,7 @@
       <a:pPr>
         <a:defRPr sz="1800"/>
       </a:pPr>
-      <a:endParaRPr lang="en-US"/>
+      <a:endParaRPr lang="zh-CN"/>
     </a:p>
   </c:txPr>
   <c:externalData r:id="rId1"/>
@@ -510,7 +537,8 @@
           <a:p>
             <a:fld id="{F8166F1F-CE9B-4651-A6AA-CD717754106B}" type="datetimeFigureOut">
               <a:rPr lang="en-US" smtClean="0"/>
-              <a:t>6/13/2013</a:t>
+              <a:pPr/>
+              <a:t>8/25/2016</a:t>
             </a:fld>
             <a:endParaRPr lang="en-US"/>
           </a:p>
@@ -552,7 +580,8 @@
           <a:p>
             <a:fld id="{F7021451-1387-4CA6-816F-3879F97B5CBC}" type="slidenum">
               <a:rPr lang="en-US" smtClean="0"/>
-              <a:t>�#�</a:t>
+              <a:pPr/>
+              <a:t>‹#›</a:t>
             </a:fld>
             <a:endParaRPr lang="en-US"/>
           </a:p>
@@ -718,7 +747,8 @@
           <a:p>
             <a:fld id="{F8166F1F-CE9B-4651-A6AA-CD717754106B}" type="datetimeFigureOut">
               <a:rPr lang="en-US" smtClean="0"/>
-              <a:t>6/13/2013</a:t>
+              <a:pPr/>
+              <a:t>8/25/2016</a:t>
             </a:fld>
             <a:endParaRPr lang="en-US"/>
           </a:p>
@@ -796,7 +826,8 @@
           <a:p>
             <a:fld id="{F7021451-1387-4CA6-816F-3879F97B5CBC}" type="slidenum">
               <a:rPr lang="en-US" smtClean="0"/>
-              <a:t>�#�</a:t>
+              <a:pPr/>
+              <a:t>‹#›</a:t>
             </a:fld>
             <a:endParaRPr lang="en-US"/>
           </a:p>
@@ -1067,7 +1098,7 @@
     <p:bg>
       <p:bgPr>
         <a:solidFill>
-          <a:srgbClr val="ffffff"/>
+          <a:srgbClr val="FFFFFF"/>
         </a:solidFill>
         <a:effectLst/>
       </p:bgPr>
@@ -1093,7 +1124,7 @@
           <p:nvPr>
             <p:extLst>
               <p:ext uri="{D42A27DB-BD31-4B8C-83A1-F6EECF244321}">
-                <p14:modId xmlns:p14="http://schemas.microsoft.com/office/powerpoint/2010/main" val="1256887135"/>
+                <p14:modId xmlns:p14="http://schemas.microsoft.com/office/powerpoint/2010/main" xmlns="" val="1256887135"/>
               </p:ext>
             </p:extLst>
           </p:nvPr>
